--- a/Component Icons.pptx
+++ b/Component Icons.pptx
@@ -104,6 +104,11 @@
       </a:defRPr>
     </a:lvl9pPr>
   </p:defaultTextStyle>
+  <p:extLst>
+    <p:ext uri="{EFAFB233-063F-42B5-8137-9DF3F51BA10A}">
+      <p15:sldGuideLst xmlns:p15="http://schemas.microsoft.com/office/powerpoint/2012/main"/>
+    </p:ext>
+  </p:extLst>
 </p:presentation>
 </file>
 
@@ -363,7 +368,7 @@
           <a:p>
             <a:fld id="{01EAF452-0248-47D3-87EB-86F547FEC4D2}" type="datetimeFigureOut">
               <a:rPr lang="de-DE" smtClean="0"/>
-              <a:t>18.08.2022</a:t>
+              <a:t>29.08.2022</a:t>
             </a:fld>
             <a:endParaRPr lang="de-DE"/>
           </a:p>
@@ -561,7 +566,7 @@
           <a:p>
             <a:fld id="{01EAF452-0248-47D3-87EB-86F547FEC4D2}" type="datetimeFigureOut">
               <a:rPr lang="de-DE" smtClean="0"/>
-              <a:t>18.08.2022</a:t>
+              <a:t>29.08.2022</a:t>
             </a:fld>
             <a:endParaRPr lang="de-DE"/>
           </a:p>
@@ -769,7 +774,7 @@
           <a:p>
             <a:fld id="{01EAF452-0248-47D3-87EB-86F547FEC4D2}" type="datetimeFigureOut">
               <a:rPr lang="de-DE" smtClean="0"/>
-              <a:t>18.08.2022</a:t>
+              <a:t>29.08.2022</a:t>
             </a:fld>
             <a:endParaRPr lang="de-DE"/>
           </a:p>
@@ -967,7 +972,7 @@
           <a:p>
             <a:fld id="{01EAF452-0248-47D3-87EB-86F547FEC4D2}" type="datetimeFigureOut">
               <a:rPr lang="de-DE" smtClean="0"/>
-              <a:t>18.08.2022</a:t>
+              <a:t>29.08.2022</a:t>
             </a:fld>
             <a:endParaRPr lang="de-DE"/>
           </a:p>
@@ -1242,7 +1247,7 @@
           <a:p>
             <a:fld id="{01EAF452-0248-47D3-87EB-86F547FEC4D2}" type="datetimeFigureOut">
               <a:rPr lang="de-DE" smtClean="0"/>
-              <a:t>18.08.2022</a:t>
+              <a:t>29.08.2022</a:t>
             </a:fld>
             <a:endParaRPr lang="de-DE"/>
           </a:p>
@@ -1507,7 +1512,7 @@
           <a:p>
             <a:fld id="{01EAF452-0248-47D3-87EB-86F547FEC4D2}" type="datetimeFigureOut">
               <a:rPr lang="de-DE" smtClean="0"/>
-              <a:t>18.08.2022</a:t>
+              <a:t>29.08.2022</a:t>
             </a:fld>
             <a:endParaRPr lang="de-DE"/>
           </a:p>
@@ -1919,7 +1924,7 @@
           <a:p>
             <a:fld id="{01EAF452-0248-47D3-87EB-86F547FEC4D2}" type="datetimeFigureOut">
               <a:rPr lang="de-DE" smtClean="0"/>
-              <a:t>18.08.2022</a:t>
+              <a:t>29.08.2022</a:t>
             </a:fld>
             <a:endParaRPr lang="de-DE"/>
           </a:p>
@@ -2060,7 +2065,7 @@
           <a:p>
             <a:fld id="{01EAF452-0248-47D3-87EB-86F547FEC4D2}" type="datetimeFigureOut">
               <a:rPr lang="de-DE" smtClean="0"/>
-              <a:t>18.08.2022</a:t>
+              <a:t>29.08.2022</a:t>
             </a:fld>
             <a:endParaRPr lang="de-DE"/>
           </a:p>
@@ -2173,7 +2178,7 @@
           <a:p>
             <a:fld id="{01EAF452-0248-47D3-87EB-86F547FEC4D2}" type="datetimeFigureOut">
               <a:rPr lang="de-DE" smtClean="0"/>
-              <a:t>18.08.2022</a:t>
+              <a:t>29.08.2022</a:t>
             </a:fld>
             <a:endParaRPr lang="de-DE"/>
           </a:p>
@@ -2484,7 +2489,7 @@
           <a:p>
             <a:fld id="{01EAF452-0248-47D3-87EB-86F547FEC4D2}" type="datetimeFigureOut">
               <a:rPr lang="de-DE" smtClean="0"/>
-              <a:t>18.08.2022</a:t>
+              <a:t>29.08.2022</a:t>
             </a:fld>
             <a:endParaRPr lang="de-DE"/>
           </a:p>
@@ -2772,7 +2777,7 @@
           <a:p>
             <a:fld id="{01EAF452-0248-47D3-87EB-86F547FEC4D2}" type="datetimeFigureOut">
               <a:rPr lang="de-DE" smtClean="0"/>
-              <a:t>18.08.2022</a:t>
+              <a:t>29.08.2022</a:t>
             </a:fld>
             <a:endParaRPr lang="de-DE"/>
           </a:p>
@@ -3013,7 +3018,7 @@
           <a:p>
             <a:fld id="{01EAF452-0248-47D3-87EB-86F547FEC4D2}" type="datetimeFigureOut">
               <a:rPr lang="de-DE" smtClean="0"/>
-              <a:t>18.08.2022</a:t>
+              <a:t>29.08.2022</a:t>
             </a:fld>
             <a:endParaRPr lang="de-DE"/>
           </a:p>
@@ -3430,6 +3435,66 @@
           <a:chExt cx="0" cy="0"/>
         </a:xfrm>
       </p:grpSpPr>
+      <p:pic>
+        <p:nvPicPr>
+          <p:cNvPr id="6" name="Grafik 5">
+            <a:extLst>
+              <a:ext uri="{FF2B5EF4-FFF2-40B4-BE49-F238E27FC236}">
+                <a16:creationId xmlns:a16="http://schemas.microsoft.com/office/drawing/2014/main" id="{5117E9D8-DF37-41D7-B309-5F63B9570E46}"/>
+              </a:ext>
+            </a:extLst>
+          </p:cNvPr>
+          <p:cNvPicPr>
+            <a:picLocks noChangeAspect="1"/>
+          </p:cNvPicPr>
+          <p:nvPr/>
+        </p:nvPicPr>
+        <p:blipFill>
+          <a:blip r:embed="rId2"/>
+          <a:stretch>
+            <a:fillRect/>
+          </a:stretch>
+        </p:blipFill>
+        <p:spPr>
+          <a:xfrm>
+            <a:off x="2465687" y="3838877"/>
+            <a:ext cx="3243452" cy="1543050"/>
+          </a:xfrm>
+          <a:prstGeom prst="rect">
+            <a:avLst/>
+          </a:prstGeom>
+        </p:spPr>
+      </p:pic>
+      <p:pic>
+        <p:nvPicPr>
+          <p:cNvPr id="3" name="Grafik 2">
+            <a:extLst>
+              <a:ext uri="{FF2B5EF4-FFF2-40B4-BE49-F238E27FC236}">
+                <a16:creationId xmlns:a16="http://schemas.microsoft.com/office/drawing/2014/main" id="{AA38FF0D-F9E6-4905-B952-ABD321E4A5C1}"/>
+              </a:ext>
+            </a:extLst>
+          </p:cNvPr>
+          <p:cNvPicPr>
+            <a:picLocks noChangeAspect="1"/>
+          </p:cNvPicPr>
+          <p:nvPr/>
+        </p:nvPicPr>
+        <p:blipFill>
+          <a:blip r:embed="rId2"/>
+          <a:stretch>
+            <a:fillRect/>
+          </a:stretch>
+        </p:blipFill>
+        <p:spPr>
+          <a:xfrm>
+            <a:off x="4361588" y="875997"/>
+            <a:ext cx="3070842" cy="1543050"/>
+          </a:xfrm>
+          <a:prstGeom prst="rect">
+            <a:avLst/>
+          </a:prstGeom>
+        </p:spPr>
+      </p:pic>
       <p:sp>
         <p:nvSpPr>
           <p:cNvPr id="26" name="Textfeld 25">
@@ -3444,7 +3509,7 @@
         </p:nvSpPr>
         <p:spPr>
           <a:xfrm>
-            <a:off x="1198179" y="1786758"/>
+            <a:off x="3976548" y="966142"/>
             <a:ext cx="3794235" cy="1015663"/>
           </a:xfrm>
           <a:prstGeom prst="rect">
@@ -3461,26 +3526,6 @@
             <a:pPr algn="ctr"/>
             <a:r>
               <a:rPr lang="de-DE" sz="6000" dirty="0">
-                <a:solidFill>
-                  <a:srgbClr val="7030A0"/>
-                </a:solidFill>
-                <a:latin typeface="Forte" panose="03060902040502070203" pitchFamily="66" charset="0"/>
-                <a:cs typeface="Browallia New" panose="020B0502040204020203" pitchFamily="34" charset="-34"/>
-              </a:rPr>
-              <a:t>KK</a:t>
-            </a:r>
-            <a:r>
-              <a:rPr lang="de-DE" sz="6000" dirty="0">
-                <a:solidFill>
-                  <a:srgbClr val="FF0000"/>
-                </a:solidFill>
-                <a:latin typeface="Forte" panose="03060902040502070203" pitchFamily="66" charset="0"/>
-                <a:cs typeface="Browallia New" panose="020B0502040204020203" pitchFamily="34" charset="-34"/>
-              </a:rPr>
-              <a:t> </a:t>
-            </a:r>
-            <a:r>
-              <a:rPr lang="de-DE" sz="6000" dirty="0">
                 <a:latin typeface="Forte" panose="03060902040502070203" pitchFamily="66" charset="0"/>
                 <a:cs typeface="Browallia New" panose="020B0502040204020203" pitchFamily="34" charset="-34"/>
               </a:rPr>
@@ -3503,8 +3548,8 @@
         </p:nvSpPr>
         <p:spPr>
           <a:xfrm>
-            <a:off x="6752896" y="1650483"/>
-            <a:ext cx="3794235" cy="1631216"/>
+            <a:off x="2704089" y="3750711"/>
+            <a:ext cx="2766647" cy="1631216"/>
           </a:xfrm>
           <a:prstGeom prst="rect">
             <a:avLst/>
@@ -3522,26 +3567,6 @@
                 <a:spcPts val="6000"/>
               </a:lnSpc>
             </a:pPr>
-            <a:r>
-              <a:rPr lang="de-DE" sz="6000" dirty="0">
-                <a:solidFill>
-                  <a:srgbClr val="7030A0"/>
-                </a:solidFill>
-                <a:latin typeface="Forte" panose="03060902040502070203" pitchFamily="66" charset="0"/>
-                <a:cs typeface="Browallia New" panose="020B0502040204020203" pitchFamily="34" charset="-34"/>
-              </a:rPr>
-              <a:t>KK</a:t>
-            </a:r>
-            <a:r>
-              <a:rPr lang="de-DE" sz="6000" dirty="0">
-                <a:solidFill>
-                  <a:srgbClr val="FF0000"/>
-                </a:solidFill>
-                <a:latin typeface="Forte" panose="03060902040502070203" pitchFamily="66" charset="0"/>
-                <a:cs typeface="Browallia New" panose="020B0502040204020203" pitchFamily="34" charset="-34"/>
-              </a:rPr>
-              <a:t> </a:t>
-            </a:r>
             <a:r>
               <a:rPr lang="de-DE" sz="6000" dirty="0">
                 <a:latin typeface="Forte" panose="03060902040502070203" pitchFamily="66" charset="0"/>
